--- a/Documents/1_최종제출용/APP이앙 발표자료.pptx
+++ b/Documents/1_최종제출용/APP이앙 발표자료.pptx
@@ -5,11 +5,12 @@
     <p:sldMasterId id="2147483648" r:id="rId1"/>
   </p:sldMasterIdLst>
   <p:sldIdLst>
-    <p:sldId id="256" r:id="rId2"/>
-    <p:sldId id="257" r:id="rId3"/>
-    <p:sldId id="258" r:id="rId4"/>
-    <p:sldId id="259" r:id="rId5"/>
-    <p:sldId id="260" r:id="rId6"/>
+    <p:sldId id="261" r:id="rId2"/>
+    <p:sldId id="256" r:id="rId3"/>
+    <p:sldId id="257" r:id="rId4"/>
+    <p:sldId id="258" r:id="rId5"/>
+    <p:sldId id="259" r:id="rId6"/>
+    <p:sldId id="260" r:id="rId7"/>
   </p:sldIdLst>
   <p:sldSz cx="12192000" cy="6858000"/>
   <p:notesSz cx="6858000" cy="9144000"/>
@@ -119,7 +120,7 @@
 <file path=ppt/revisionInfo.xml><?xml version="1.0" encoding="utf-8"?>
 <p1510:revInfo xmlns:a="http://schemas.openxmlformats.org/drawingml/2006/main" xmlns:r="http://schemas.openxmlformats.org/officeDocument/2006/relationships" xmlns:p1510="http://schemas.microsoft.com/office/powerpoint/2015/10/main">
   <p1510:revLst>
-    <p1510:client id="{56A1328E-28A1-42F4-B297-873B0D7D978D}" v="24" dt="2023-07-27T05:42:06.829"/>
+    <p1510:client id="{56A1328E-28A1-42F4-B297-873B0D7D978D}" v="30" dt="2023-07-27T05:52:43.859"/>
   </p1510:revLst>
 </p1510:revInfo>
 </file>
@@ -3125,6 +3126,228 @@
       </p:sp>
       <p:pic>
         <p:nvPicPr>
+          <p:cNvPr id="4" name="그림 4" descr="스크린샷, 만화 영화이(가) 표시된 사진&#10;&#10;자동 생성된 설명">
+            <a:extLst>
+              <a:ext uri="{FF2B5EF4-FFF2-40B4-BE49-F238E27FC236}">
+                <a16:creationId xmlns:a16="http://schemas.microsoft.com/office/drawing/2014/main" id="{54DEE64D-3CEE-094A-303C-90EE45E53657}"/>
+              </a:ext>
+            </a:extLst>
+          </p:cNvPr>
+          <p:cNvPicPr>
+            <a:picLocks noChangeAspect="1"/>
+          </p:cNvPicPr>
+          <p:nvPr/>
+        </p:nvPicPr>
+        <p:blipFill rotWithShape="1">
+          <a:blip r:embed="rId2"/>
+          <a:srcRect b="19"/>
+          <a:stretch/>
+        </p:blipFill>
+        <p:spPr>
+          <a:xfrm>
+            <a:off x="20" y="1282"/>
+            <a:ext cx="12191980" cy="6856718"/>
+          </a:xfrm>
+          <a:prstGeom prst="rect">
+            <a:avLst/>
+          </a:prstGeom>
+        </p:spPr>
+      </p:pic>
+    </p:spTree>
+    <p:extLst>
+      <p:ext uri="{BB962C8B-B14F-4D97-AF65-F5344CB8AC3E}">
+        <p14:creationId xmlns:p14="http://schemas.microsoft.com/office/powerpoint/2010/main" val="3265118499"/>
+      </p:ext>
+    </p:extLst>
+  </p:cSld>
+  <p:clrMapOvr>
+    <a:masterClrMapping/>
+  </p:clrMapOvr>
+</p:sld>
+</file>
+
+<file path=ppt/slides/slide2.xml><?xml version="1.0" encoding="utf-8"?>
+<p:sld xmlns:a="http://schemas.openxmlformats.org/drawingml/2006/main" xmlns:r="http://schemas.openxmlformats.org/officeDocument/2006/relationships" xmlns:p="http://schemas.openxmlformats.org/presentationml/2006/main">
+  <p:cSld>
+    <p:bg>
+      <p:bgPr>
+        <a:solidFill>
+          <a:schemeClr val="bg1"/>
+        </a:solidFill>
+        <a:effectLst/>
+      </p:bgPr>
+    </p:bg>
+    <p:spTree>
+      <p:nvGrpSpPr>
+        <p:cNvPr id="1" name=""/>
+        <p:cNvGrpSpPr/>
+        <p:nvPr/>
+      </p:nvGrpSpPr>
+      <p:grpSpPr>
+        <a:xfrm>
+          <a:off x="0" y="0"/>
+          <a:ext cx="0" cy="0"/>
+          <a:chOff x="0" y="0"/>
+          <a:chExt cx="0" cy="0"/>
+        </a:xfrm>
+      </p:grpSpPr>
+      <p:sp>
+        <p:nvSpPr>
+          <p:cNvPr id="9" name="Rectangle 8">
+            <a:extLst>
+              <a:ext uri="{FF2B5EF4-FFF2-40B4-BE49-F238E27FC236}">
+                <a16:creationId xmlns:a16="http://schemas.microsoft.com/office/drawing/2014/main" id="{42A4FC2C-047E-45A5-965D-8E1E3BF09BC6}"/>
+              </a:ext>
+              <a:ext uri="{C183D7F6-B498-43B3-948B-1728B52AA6E4}">
+                <adec:decorative xmlns:adec="http://schemas.microsoft.com/office/drawing/2017/decorative" val="1"/>
+              </a:ext>
+            </a:extLst>
+          </p:cNvPr>
+          <p:cNvSpPr>
+            <a:spLocks noGrp="1" noRot="1" noChangeAspect="1" noMove="1" noResize="1" noEditPoints="1" noAdjustHandles="1" noChangeArrowheads="1" noChangeShapeType="1" noTextEdit="1"/>
+          </p:cNvSpPr>
+          <p:nvPr>
+            <p:extLst>
+              <p:ext uri="{386F3935-93C4-4BCD-93E2-E3B085C9AB24}">
+                <p16:designElem xmlns:p16="http://schemas.microsoft.com/office/powerpoint/2015/main" val="1"/>
+              </p:ext>
+            </p:extLst>
+          </p:nvPr>
+        </p:nvSpPr>
+        <p:spPr bwMode="white">
+          <a:xfrm>
+            <a:off x="1524" y="0"/>
+            <a:ext cx="12188952" cy="6858000"/>
+          </a:xfrm>
+          <a:prstGeom prst="rect">
+            <a:avLst/>
+          </a:prstGeom>
+          <a:noFill/>
+          <a:ln>
+            <a:noFill/>
+          </a:ln>
+        </p:spPr>
+        <p:style>
+          <a:lnRef idx="2">
+            <a:schemeClr val="accent1">
+              <a:shade val="50000"/>
+            </a:schemeClr>
+          </a:lnRef>
+          <a:fillRef idx="1">
+            <a:schemeClr val="accent1"/>
+          </a:fillRef>
+          <a:effectRef idx="0">
+            <a:schemeClr val="accent1"/>
+          </a:effectRef>
+          <a:fontRef idx="minor">
+            <a:schemeClr val="lt1"/>
+          </a:fontRef>
+        </p:style>
+        <p:txBody>
+          <a:bodyPr rtlCol="0" anchor="ctr"/>
+          <a:lstStyle>
+            <a:defPPr>
+              <a:defRPr lang="en-US"/>
+            </a:defPPr>
+            <a:lvl1pPr marL="0" algn="l" defTabSz="914400" rtl="0" eaLnBrk="1" latinLnBrk="0" hangingPunct="1">
+              <a:defRPr sz="1800" kern="1200">
+                <a:solidFill>
+                  <a:schemeClr val="lt1"/>
+                </a:solidFill>
+                <a:latin typeface="+mn-lt"/>
+                <a:ea typeface="+mn-ea"/>
+                <a:cs typeface="+mn-cs"/>
+              </a:defRPr>
+            </a:lvl1pPr>
+            <a:lvl2pPr marL="457200" algn="l" defTabSz="914400" rtl="0" eaLnBrk="1" latinLnBrk="0" hangingPunct="1">
+              <a:defRPr sz="1800" kern="1200">
+                <a:solidFill>
+                  <a:schemeClr val="lt1"/>
+                </a:solidFill>
+                <a:latin typeface="+mn-lt"/>
+                <a:ea typeface="+mn-ea"/>
+                <a:cs typeface="+mn-cs"/>
+              </a:defRPr>
+            </a:lvl2pPr>
+            <a:lvl3pPr marL="914400" algn="l" defTabSz="914400" rtl="0" eaLnBrk="1" latinLnBrk="0" hangingPunct="1">
+              <a:defRPr sz="1800" kern="1200">
+                <a:solidFill>
+                  <a:schemeClr val="lt1"/>
+                </a:solidFill>
+                <a:latin typeface="+mn-lt"/>
+                <a:ea typeface="+mn-ea"/>
+                <a:cs typeface="+mn-cs"/>
+              </a:defRPr>
+            </a:lvl3pPr>
+            <a:lvl4pPr marL="1371600" algn="l" defTabSz="914400" rtl="0" eaLnBrk="1" latinLnBrk="0" hangingPunct="1">
+              <a:defRPr sz="1800" kern="1200">
+                <a:solidFill>
+                  <a:schemeClr val="lt1"/>
+                </a:solidFill>
+                <a:latin typeface="+mn-lt"/>
+                <a:ea typeface="+mn-ea"/>
+                <a:cs typeface="+mn-cs"/>
+              </a:defRPr>
+            </a:lvl4pPr>
+            <a:lvl5pPr marL="1828800" algn="l" defTabSz="914400" rtl="0" eaLnBrk="1" latinLnBrk="0" hangingPunct="1">
+              <a:defRPr sz="1800" kern="1200">
+                <a:solidFill>
+                  <a:schemeClr val="lt1"/>
+                </a:solidFill>
+                <a:latin typeface="+mn-lt"/>
+                <a:ea typeface="+mn-ea"/>
+                <a:cs typeface="+mn-cs"/>
+              </a:defRPr>
+            </a:lvl5pPr>
+            <a:lvl6pPr marL="2286000" algn="l" defTabSz="914400" rtl="0" eaLnBrk="1" latinLnBrk="0" hangingPunct="1">
+              <a:defRPr sz="1800" kern="1200">
+                <a:solidFill>
+                  <a:schemeClr val="lt1"/>
+                </a:solidFill>
+                <a:latin typeface="+mn-lt"/>
+                <a:ea typeface="+mn-ea"/>
+                <a:cs typeface="+mn-cs"/>
+              </a:defRPr>
+            </a:lvl6pPr>
+            <a:lvl7pPr marL="2743200" algn="l" defTabSz="914400" rtl="0" eaLnBrk="1" latinLnBrk="0" hangingPunct="1">
+              <a:defRPr sz="1800" kern="1200">
+                <a:solidFill>
+                  <a:schemeClr val="lt1"/>
+                </a:solidFill>
+                <a:latin typeface="+mn-lt"/>
+                <a:ea typeface="+mn-ea"/>
+                <a:cs typeface="+mn-cs"/>
+              </a:defRPr>
+            </a:lvl7pPr>
+            <a:lvl8pPr marL="3200400" algn="l" defTabSz="914400" rtl="0" eaLnBrk="1" latinLnBrk="0" hangingPunct="1">
+              <a:defRPr sz="1800" kern="1200">
+                <a:solidFill>
+                  <a:schemeClr val="lt1"/>
+                </a:solidFill>
+                <a:latin typeface="+mn-lt"/>
+                <a:ea typeface="+mn-ea"/>
+                <a:cs typeface="+mn-cs"/>
+              </a:defRPr>
+            </a:lvl8pPr>
+            <a:lvl9pPr marL="3657600" algn="l" defTabSz="914400" rtl="0" eaLnBrk="1" latinLnBrk="0" hangingPunct="1">
+              <a:defRPr sz="1800" kern="1200">
+                <a:solidFill>
+                  <a:schemeClr val="lt1"/>
+                </a:solidFill>
+                <a:latin typeface="+mn-lt"/>
+                <a:ea typeface="+mn-ea"/>
+                <a:cs typeface="+mn-cs"/>
+              </a:defRPr>
+            </a:lvl9pPr>
+          </a:lstStyle>
+          <a:p>
+            <a:pPr algn="ctr"/>
+            <a:endParaRPr lang="en-US"/>
+          </a:p>
+        </p:txBody>
+      </p:sp>
+      <p:pic>
+        <p:nvPicPr>
           <p:cNvPr id="4" name="그림 4" descr="텍스트, 스크린샷, 폰트, 디자인이(가) 표시된 사진&#10;&#10;자동 생성된 설명">
             <a:extLst>
               <a:ext uri="{FF2B5EF4-FFF2-40B4-BE49-F238E27FC236}">
@@ -3165,7 +3388,7 @@
 </p:sld>
 </file>
 
-<file path=ppt/slides/slide2.xml><?xml version="1.0" encoding="utf-8"?>
+<file path=ppt/slides/slide3.xml><?xml version="1.0" encoding="utf-8"?>
 <p:sld xmlns:a="http://schemas.openxmlformats.org/drawingml/2006/main" xmlns:r="http://schemas.openxmlformats.org/officeDocument/2006/relationships" xmlns:p="http://schemas.openxmlformats.org/presentationml/2006/main">
   <p:cSld>
     <p:bg>
@@ -3387,7 +3610,7 @@
 </p:sld>
 </file>
 
-<file path=ppt/slides/slide3.xml><?xml version="1.0" encoding="utf-8"?>
+<file path=ppt/slides/slide4.xml><?xml version="1.0" encoding="utf-8"?>
 <p:sld xmlns:a="http://schemas.openxmlformats.org/drawingml/2006/main" xmlns:r="http://schemas.openxmlformats.org/officeDocument/2006/relationships" xmlns:p="http://schemas.openxmlformats.org/presentationml/2006/main">
   <p:cSld>
     <p:bg>
@@ -3609,7 +3832,7 @@
 </p:sld>
 </file>
 
-<file path=ppt/slides/slide4.xml><?xml version="1.0" encoding="utf-8"?>
+<file path=ppt/slides/slide5.xml><?xml version="1.0" encoding="utf-8"?>
 <p:sld xmlns:a="http://schemas.openxmlformats.org/drawingml/2006/main" xmlns:r="http://schemas.openxmlformats.org/officeDocument/2006/relationships" xmlns:p="http://schemas.openxmlformats.org/presentationml/2006/main">
   <p:cSld>
     <p:bg>
@@ -3831,7 +4054,7 @@
 </p:sld>
 </file>
 
-<file path=ppt/slides/slide5.xml><?xml version="1.0" encoding="utf-8"?>
+<file path=ppt/slides/slide6.xml><?xml version="1.0" encoding="utf-8"?>
 <p:sld xmlns:a="http://schemas.openxmlformats.org/drawingml/2006/main" xmlns:r="http://schemas.openxmlformats.org/officeDocument/2006/relationships" xmlns:p="http://schemas.openxmlformats.org/presentationml/2006/main">
   <p:cSld>
     <p:bg>
